--- a/docs/Travel Sathi - A Platform to Find Companions.pptx
+++ b/docs/Travel Sathi - A Platform to Find Companions.pptx
@@ -24,7 +24,8 @@
     <p:sldId id="272" r:id="rId18"/>
     <p:sldId id="275" r:id="rId19"/>
     <p:sldId id="276" r:id="rId20"/>
-    <p:sldId id="278" r:id="rId21"/>
+    <p:sldId id="279" r:id="rId21"/>
+    <p:sldId id="278" r:id="rId22"/>
   </p:sldIdLst>
   <p:sldSz cx="12192000" cy="6858000"/>
   <p:notesSz cx="6858000" cy="9144000"/>
@@ -4704,31 +4705,35 @@
           </a:p>
         </p:txBody>
       </p:sp>
-      <p:sp>
-        <p:nvSpPr>
-          <p:cNvPr id="4" name="Content Placeholder 3">
+      <p:pic>
+        <p:nvPicPr>
+          <p:cNvPr id="6" name="Content Placeholder 5">
             <a:extLst>
               <a:ext uri="{FF2B5EF4-FFF2-40B4-BE49-F238E27FC236}">
-                <a16:creationId xmlns:a16="http://schemas.microsoft.com/office/drawing/2014/main" id="{C9A73064-33A8-0711-8D5C-2ABE5EB32066}"/>
+                <a16:creationId xmlns:a16="http://schemas.microsoft.com/office/drawing/2014/main" id="{016E65A0-785B-B73A-85E4-1A640B3BCC9A}"/>
               </a:ext>
             </a:extLst>
           </p:cNvPr>
-          <p:cNvSpPr>
-            <a:spLocks noGrp="1"/>
-          </p:cNvSpPr>
+          <p:cNvPicPr>
+            <a:picLocks noGrp="1" noChangeAspect="1"/>
+          </p:cNvPicPr>
           <p:nvPr>
             <p:ph idx="1"/>
           </p:nvPr>
-        </p:nvSpPr>
-        <p:spPr/>
-        <p:txBody>
-          <a:bodyPr/>
-          <a:lstStyle/>
-          <a:p>
-            <a:endParaRPr lang="en-IN"/>
-          </a:p>
-        </p:txBody>
-      </p:sp>
+        </p:nvPicPr>
+        <p:blipFill>
+          <a:blip r:embed="rId2"/>
+          <a:stretch>
+            <a:fillRect/>
+          </a:stretch>
+        </p:blipFill>
+        <p:spPr>
+          <a:xfrm>
+            <a:off x="2575732" y="2026684"/>
+            <a:ext cx="7040532" cy="3794740"/>
+          </a:xfrm>
+        </p:spPr>
+      </p:pic>
     </p:spTree>
     <p:extLst>
       <p:ext uri="{BB962C8B-B14F-4D97-AF65-F5344CB8AC3E}">
@@ -4840,6 +4845,100 @@
 </file>
 
 <file path=ppt/slides/slide20.xml><?xml version="1.0" encoding="utf-8"?>
+<p:sld xmlns:a="http://schemas.openxmlformats.org/drawingml/2006/main" xmlns:r="http://schemas.openxmlformats.org/officeDocument/2006/relationships" xmlns:p="http://schemas.openxmlformats.org/presentationml/2006/main">
+  <p:cSld>
+    <p:spTree>
+      <p:nvGrpSpPr>
+        <p:cNvPr id="1" name=""/>
+        <p:cNvGrpSpPr/>
+        <p:nvPr/>
+      </p:nvGrpSpPr>
+      <p:grpSpPr>
+        <a:xfrm>
+          <a:off x="0" y="0"/>
+          <a:ext cx="0" cy="0"/>
+          <a:chOff x="0" y="0"/>
+          <a:chExt cx="0" cy="0"/>
+        </a:xfrm>
+      </p:grpSpPr>
+      <p:sp>
+        <p:nvSpPr>
+          <p:cNvPr id="2" name="Title 1">
+            <a:extLst>
+              <a:ext uri="{FF2B5EF4-FFF2-40B4-BE49-F238E27FC236}">
+                <a16:creationId xmlns:a16="http://schemas.microsoft.com/office/drawing/2014/main" id="{45A3ED05-3601-37A6-589F-1A363EA45258}"/>
+              </a:ext>
+            </a:extLst>
+          </p:cNvPr>
+          <p:cNvSpPr>
+            <a:spLocks noGrp="1"/>
+          </p:cNvSpPr>
+          <p:nvPr>
+            <p:ph type="title"/>
+          </p:nvPr>
+        </p:nvSpPr>
+        <p:spPr>
+          <a:xfrm>
+            <a:off x="1294361" y="977449"/>
+            <a:ext cx="9603275" cy="1049235"/>
+          </a:xfrm>
+        </p:spPr>
+        <p:txBody>
+          <a:bodyPr/>
+          <a:lstStyle/>
+          <a:p>
+            <a:pPr algn="ctr"/>
+            <a:r>
+              <a:rPr lang="en-US" dirty="0" err="1"/>
+              <a:t>rEsULTS</a:t>
+            </a:r>
+            <a:endParaRPr lang="en-US" dirty="0"/>
+          </a:p>
+        </p:txBody>
+      </p:sp>
+      <p:pic>
+        <p:nvPicPr>
+          <p:cNvPr id="7" name="Content Placeholder 6">
+            <a:extLst>
+              <a:ext uri="{FF2B5EF4-FFF2-40B4-BE49-F238E27FC236}">
+                <a16:creationId xmlns:a16="http://schemas.microsoft.com/office/drawing/2014/main" id="{13234B23-F189-1EE4-DC6B-B8BC5C05A8F5}"/>
+              </a:ext>
+            </a:extLst>
+          </p:cNvPr>
+          <p:cNvPicPr>
+            <a:picLocks noGrp="1" noChangeAspect="1"/>
+          </p:cNvPicPr>
+          <p:nvPr>
+            <p:ph idx="1"/>
+          </p:nvPr>
+        </p:nvPicPr>
+        <p:blipFill>
+          <a:blip r:embed="rId2"/>
+          <a:stretch>
+            <a:fillRect/>
+          </a:stretch>
+        </p:blipFill>
+        <p:spPr>
+          <a:xfrm>
+            <a:off x="2718848" y="2016125"/>
+            <a:ext cx="7339552" cy="3449638"/>
+          </a:xfrm>
+        </p:spPr>
+      </p:pic>
+    </p:spTree>
+    <p:extLst>
+      <p:ext uri="{BB962C8B-B14F-4D97-AF65-F5344CB8AC3E}">
+        <p14:creationId xmlns:p14="http://schemas.microsoft.com/office/powerpoint/2010/main" val="3935480958"/>
+      </p:ext>
+    </p:extLst>
+  </p:cSld>
+  <p:clrMapOvr>
+    <a:masterClrMapping/>
+  </p:clrMapOvr>
+</p:sld>
+</file>
+
+<file path=ppt/slides/slide21.xml><?xml version="1.0" encoding="utf-8"?>
 <p:sld xmlns:a="http://schemas.openxmlformats.org/drawingml/2006/main" xmlns:r="http://schemas.openxmlformats.org/officeDocument/2006/relationships" xmlns:p="http://schemas.openxmlformats.org/presentationml/2006/main">
   <p:cSld>
     <p:spTree>
